--- a/Presentation1.pptx
+++ b/Presentation1.pptx
@@ -3505,10 +3505,10 @@
       </p:sp>
       <p:grpSp>
         <p:nvGrpSpPr>
-          <p:cNvPr id="43" name="Group 42">
-            <a:extLst>
-              <a:ext uri="{FF2B5EF4-FFF2-40B4-BE49-F238E27FC236}">
-                <a16:creationId xmlns:a16="http://schemas.microsoft.com/office/drawing/2014/main" id="{05D5ADAA-9A88-E729-4476-D8B028CCD364}"/>
+          <p:cNvPr id="44" name="Group 43">
+            <a:extLst>
+              <a:ext uri="{FF2B5EF4-FFF2-40B4-BE49-F238E27FC236}">
+                <a16:creationId xmlns:a16="http://schemas.microsoft.com/office/drawing/2014/main" id="{5155C047-B8D4-EDC8-4ABE-CCA91C08FC60}"/>
               </a:ext>
             </a:extLst>
           </p:cNvPr>
@@ -3517,740 +3517,1059 @@
         </p:nvGrpSpPr>
         <p:grpSpPr>
           <a:xfrm>
-            <a:off x="162465" y="2217268"/>
-            <a:ext cx="5834120" cy="1819280"/>
+            <a:off x="0" y="1404385"/>
+            <a:ext cx="6192137" cy="1819280"/>
             <a:chOff x="162465" y="2217268"/>
-            <a:chExt cx="5834120" cy="1819280"/>
+            <a:chExt cx="6192137" cy="1819280"/>
           </a:xfrm>
         </p:grpSpPr>
-        <p:cxnSp>
-          <p:nvCxnSpPr>
-            <p:cNvPr id="3" name="Straight Connector 2">
+        <p:grpSp>
+          <p:nvGrpSpPr>
+            <p:cNvPr id="43" name="Group 42">
               <a:extLst>
                 <a:ext uri="{FF2B5EF4-FFF2-40B4-BE49-F238E27FC236}">
-                  <a16:creationId xmlns:a16="http://schemas.microsoft.com/office/drawing/2014/main" id="{C7B8925F-51BD-77ED-1A6F-7CBEAA0CADF2}"/>
+                  <a16:creationId xmlns:a16="http://schemas.microsoft.com/office/drawing/2014/main" id="{05D5ADAA-9A88-E729-4476-D8B028CCD364}"/>
                 </a:ext>
               </a:extLst>
             </p:cNvPr>
-            <p:cNvCxnSpPr/>
+            <p:cNvGrpSpPr/>
             <p:nvPr/>
-          </p:nvCxnSpPr>
-          <p:spPr>
+          </p:nvGrpSpPr>
+          <p:grpSpPr>
             <a:xfrm>
-              <a:off x="1295161" y="2307437"/>
-              <a:ext cx="0" cy="1249471"/>
+              <a:off x="162465" y="2217268"/>
+              <a:ext cx="5834120" cy="1819280"/>
+              <a:chOff x="162465" y="2217268"/>
+              <a:chExt cx="5834120" cy="1819280"/>
             </a:xfrm>
-            <a:prstGeom prst="line">
-              <a:avLst/>
-            </a:prstGeom>
-          </p:spPr>
-          <p:style>
-            <a:lnRef idx="2">
-              <a:schemeClr val="accent1"/>
-            </a:lnRef>
-            <a:fillRef idx="0">
-              <a:schemeClr val="accent1"/>
-            </a:fillRef>
-            <a:effectRef idx="1">
-              <a:schemeClr val="accent1"/>
-            </a:effectRef>
-            <a:fontRef idx="minor">
-              <a:schemeClr val="tx1"/>
-            </a:fontRef>
-          </p:style>
-        </p:cxnSp>
-        <p:cxnSp>
-          <p:nvCxnSpPr>
-            <p:cNvPr id="4" name="Straight Connector 3">
+          </p:grpSpPr>
+          <p:cxnSp>
+            <p:nvCxnSpPr>
+              <p:cNvPr id="3" name="Straight Connector 2">
+                <a:extLst>
+                  <a:ext uri="{FF2B5EF4-FFF2-40B4-BE49-F238E27FC236}">
+                    <a16:creationId xmlns:a16="http://schemas.microsoft.com/office/drawing/2014/main" id="{C7B8925F-51BD-77ED-1A6F-7CBEAA0CADF2}"/>
+                  </a:ext>
+                </a:extLst>
+              </p:cNvPr>
+              <p:cNvCxnSpPr/>
+              <p:nvPr/>
+            </p:nvCxnSpPr>
+            <p:spPr>
+              <a:xfrm>
+                <a:off x="1295161" y="2307437"/>
+                <a:ext cx="0" cy="1249471"/>
+              </a:xfrm>
+              <a:prstGeom prst="line">
+                <a:avLst/>
+              </a:prstGeom>
+            </p:spPr>
+            <p:style>
+              <a:lnRef idx="2">
+                <a:schemeClr val="accent1"/>
+              </a:lnRef>
+              <a:fillRef idx="0">
+                <a:schemeClr val="accent1"/>
+              </a:fillRef>
+              <a:effectRef idx="1">
+                <a:schemeClr val="accent1"/>
+              </a:effectRef>
+              <a:fontRef idx="minor">
+                <a:schemeClr val="tx1"/>
+              </a:fontRef>
+            </p:style>
+          </p:cxnSp>
+          <p:cxnSp>
+            <p:nvCxnSpPr>
+              <p:cNvPr id="4" name="Straight Connector 3">
+                <a:extLst>
+                  <a:ext uri="{FF2B5EF4-FFF2-40B4-BE49-F238E27FC236}">
+                    <a16:creationId xmlns:a16="http://schemas.microsoft.com/office/drawing/2014/main" id="{1E9E7701-99CC-7E04-7008-2E7092C75213}"/>
+                  </a:ext>
+                </a:extLst>
+              </p:cNvPr>
+              <p:cNvCxnSpPr>
+                <a:cxnSpLocks/>
+              </p:cNvCxnSpPr>
+              <p:nvPr/>
+            </p:nvCxnSpPr>
+            <p:spPr>
+              <a:xfrm flipH="1">
+                <a:off x="1295161" y="3556908"/>
+                <a:ext cx="2219219" cy="0"/>
+              </a:xfrm>
+              <a:prstGeom prst="line">
+                <a:avLst/>
+              </a:prstGeom>
+            </p:spPr>
+            <p:style>
+              <a:lnRef idx="2">
+                <a:schemeClr val="accent1"/>
+              </a:lnRef>
+              <a:fillRef idx="0">
+                <a:schemeClr val="accent1"/>
+              </a:fillRef>
+              <a:effectRef idx="1">
+                <a:schemeClr val="accent1"/>
+              </a:effectRef>
+              <a:fontRef idx="minor">
+                <a:schemeClr val="tx1"/>
+              </a:fontRef>
+            </p:style>
+          </p:cxnSp>
+          <p:sp>
+            <p:nvSpPr>
+              <p:cNvPr id="7" name="Rectangle 6">
+                <a:extLst>
+                  <a:ext uri="{FF2B5EF4-FFF2-40B4-BE49-F238E27FC236}">
+                    <a16:creationId xmlns:a16="http://schemas.microsoft.com/office/drawing/2014/main" id="{0B240145-2025-23BE-F576-B57493EFAB59}"/>
+                  </a:ext>
+                </a:extLst>
+              </p:cNvPr>
+              <p:cNvSpPr/>
+              <p:nvPr/>
+            </p:nvSpPr>
+            <p:spPr>
+              <a:xfrm>
+                <a:off x="1806766" y="2937209"/>
+                <a:ext cx="121185" cy="619699"/>
+              </a:xfrm>
+              <a:prstGeom prst="rect">
+                <a:avLst/>
+              </a:prstGeom>
+            </p:spPr>
+            <p:style>
+              <a:lnRef idx="2">
+                <a:schemeClr val="accent1">
+                  <a:shade val="15000"/>
+                </a:schemeClr>
+              </a:lnRef>
+              <a:fillRef idx="1">
+                <a:schemeClr val="accent1"/>
+              </a:fillRef>
+              <a:effectRef idx="0">
+                <a:schemeClr val="accent1"/>
+              </a:effectRef>
+              <a:fontRef idx="minor">
+                <a:schemeClr val="lt1"/>
+              </a:fontRef>
+            </p:style>
+            <p:txBody>
+              <a:bodyPr rtlCol="0" anchor="ctr"/>
+              <a:lstStyle/>
+              <a:p>
+                <a:pPr algn="ctr"/>
+                <a:endParaRPr lang="en-US"/>
+              </a:p>
+            </p:txBody>
+          </p:sp>
+          <p:sp>
+            <p:nvSpPr>
+              <p:cNvPr id="8" name="Rectangle 7">
+                <a:extLst>
+                  <a:ext uri="{FF2B5EF4-FFF2-40B4-BE49-F238E27FC236}">
+                    <a16:creationId xmlns:a16="http://schemas.microsoft.com/office/drawing/2014/main" id="{41CCDBE2-C69C-1245-2D24-0E59E2E3932F}"/>
+                  </a:ext>
+                </a:extLst>
+              </p:cNvPr>
+              <p:cNvSpPr/>
+              <p:nvPr/>
+            </p:nvSpPr>
+            <p:spPr>
+              <a:xfrm>
+                <a:off x="2027784" y="2937209"/>
+                <a:ext cx="121185" cy="619699"/>
+              </a:xfrm>
+              <a:prstGeom prst="rect">
+                <a:avLst/>
+              </a:prstGeom>
+            </p:spPr>
+            <p:style>
+              <a:lnRef idx="2">
+                <a:schemeClr val="accent1">
+                  <a:shade val="15000"/>
+                </a:schemeClr>
+              </a:lnRef>
+              <a:fillRef idx="1">
+                <a:schemeClr val="accent1"/>
+              </a:fillRef>
+              <a:effectRef idx="0">
+                <a:schemeClr val="accent1"/>
+              </a:effectRef>
+              <a:fontRef idx="minor">
+                <a:schemeClr val="lt1"/>
+              </a:fontRef>
+            </p:style>
+            <p:txBody>
+              <a:bodyPr rtlCol="0" anchor="ctr"/>
+              <a:lstStyle/>
+              <a:p>
+                <a:pPr algn="ctr"/>
+                <a:endParaRPr lang="en-US"/>
+              </a:p>
+            </p:txBody>
+          </p:sp>
+          <p:sp>
+            <p:nvSpPr>
+              <p:cNvPr id="9" name="Rectangle 8">
+                <a:extLst>
+                  <a:ext uri="{FF2B5EF4-FFF2-40B4-BE49-F238E27FC236}">
+                    <a16:creationId xmlns:a16="http://schemas.microsoft.com/office/drawing/2014/main" id="{1890F1B0-205B-9B89-78A9-76EC45A48B75}"/>
+                  </a:ext>
+                </a:extLst>
+              </p:cNvPr>
+              <p:cNvSpPr/>
+              <p:nvPr/>
+            </p:nvSpPr>
+            <p:spPr>
+              <a:xfrm>
+                <a:off x="2260500" y="2838064"/>
+                <a:ext cx="121184" cy="720222"/>
+              </a:xfrm>
+              <a:prstGeom prst="rect">
+                <a:avLst/>
+              </a:prstGeom>
+            </p:spPr>
+            <p:style>
+              <a:lnRef idx="2">
+                <a:schemeClr val="accent1">
+                  <a:shade val="15000"/>
+                </a:schemeClr>
+              </a:lnRef>
+              <a:fillRef idx="1">
+                <a:schemeClr val="accent1"/>
+              </a:fillRef>
+              <a:effectRef idx="0">
+                <a:schemeClr val="accent1"/>
+              </a:effectRef>
+              <a:fontRef idx="minor">
+                <a:schemeClr val="lt1"/>
+              </a:fontRef>
+            </p:style>
+            <p:txBody>
+              <a:bodyPr rtlCol="0" anchor="ctr"/>
+              <a:lstStyle/>
+              <a:p>
+                <a:pPr algn="ctr"/>
+                <a:endParaRPr lang="en-US"/>
+              </a:p>
+            </p:txBody>
+          </p:sp>
+          <p:sp>
+            <p:nvSpPr>
+              <p:cNvPr id="10" name="Rectangle 9">
+                <a:extLst>
+                  <a:ext uri="{FF2B5EF4-FFF2-40B4-BE49-F238E27FC236}">
+                    <a16:creationId xmlns:a16="http://schemas.microsoft.com/office/drawing/2014/main" id="{F2A1BF08-ED1E-ADEA-4A56-36BC7AA5A309}"/>
+                  </a:ext>
+                </a:extLst>
+              </p:cNvPr>
+              <p:cNvSpPr/>
+              <p:nvPr/>
+            </p:nvSpPr>
+            <p:spPr>
+              <a:xfrm>
+                <a:off x="2481519" y="2749926"/>
+                <a:ext cx="121184" cy="805606"/>
+              </a:xfrm>
+              <a:prstGeom prst="rect">
+                <a:avLst/>
+              </a:prstGeom>
+            </p:spPr>
+            <p:style>
+              <a:lnRef idx="2">
+                <a:schemeClr val="accent1">
+                  <a:shade val="15000"/>
+                </a:schemeClr>
+              </a:lnRef>
+              <a:fillRef idx="1">
+                <a:schemeClr val="accent1"/>
+              </a:fillRef>
+              <a:effectRef idx="0">
+                <a:schemeClr val="accent1"/>
+              </a:effectRef>
+              <a:fontRef idx="minor">
+                <a:schemeClr val="lt1"/>
+              </a:fontRef>
+            </p:style>
+            <p:txBody>
+              <a:bodyPr rtlCol="0" anchor="ctr"/>
+              <a:lstStyle/>
+              <a:p>
+                <a:pPr algn="ctr"/>
+                <a:endParaRPr lang="en-US"/>
+              </a:p>
+            </p:txBody>
+          </p:sp>
+          <p:sp>
+            <p:nvSpPr>
+              <p:cNvPr id="11" name="Rectangle 10">
+                <a:extLst>
+                  <a:ext uri="{FF2B5EF4-FFF2-40B4-BE49-F238E27FC236}">
+                    <a16:creationId xmlns:a16="http://schemas.microsoft.com/office/drawing/2014/main" id="{6D513B13-F24B-E8A6-4C10-9002DE3DEC3D}"/>
+                  </a:ext>
+                </a:extLst>
+              </p:cNvPr>
+              <p:cNvSpPr/>
+              <p:nvPr/>
+            </p:nvSpPr>
+            <p:spPr>
+              <a:xfrm>
+                <a:off x="2725930" y="3036363"/>
+                <a:ext cx="121185" cy="519168"/>
+              </a:xfrm>
+              <a:prstGeom prst="rect">
+                <a:avLst/>
+              </a:prstGeom>
+              <a:solidFill>
+                <a:srgbClr val="C00000"/>
+              </a:solidFill>
+              <a:ln>
+                <a:solidFill>
+                  <a:schemeClr val="tx1"/>
+                </a:solidFill>
+              </a:ln>
+            </p:spPr>
+            <p:style>
+              <a:lnRef idx="2">
+                <a:schemeClr val="accent1">
+                  <a:shade val="15000"/>
+                </a:schemeClr>
+              </a:lnRef>
+              <a:fillRef idx="1">
+                <a:schemeClr val="accent1"/>
+              </a:fillRef>
+              <a:effectRef idx="0">
+                <a:schemeClr val="accent1"/>
+              </a:effectRef>
+              <a:fontRef idx="minor">
+                <a:schemeClr val="lt1"/>
+              </a:fontRef>
+            </p:style>
+            <p:txBody>
+              <a:bodyPr rtlCol="0" anchor="ctr"/>
+              <a:lstStyle/>
+              <a:p>
+                <a:pPr algn="ctr"/>
+                <a:endParaRPr lang="en-US"/>
+              </a:p>
+            </p:txBody>
+          </p:sp>
+          <p:sp>
+            <p:nvSpPr>
+              <p:cNvPr id="20" name="Rectangle 19">
+                <a:extLst>
+                  <a:ext uri="{FF2B5EF4-FFF2-40B4-BE49-F238E27FC236}">
+                    <a16:creationId xmlns:a16="http://schemas.microsoft.com/office/drawing/2014/main" id="{379BA528-879F-291E-D512-8FC26E3BB8BB}"/>
+                  </a:ext>
+                </a:extLst>
+              </p:cNvPr>
+              <p:cNvSpPr/>
+              <p:nvPr/>
+            </p:nvSpPr>
+            <p:spPr>
+              <a:xfrm>
+                <a:off x="3020941" y="2518579"/>
+                <a:ext cx="121184" cy="1036952"/>
+              </a:xfrm>
+              <a:prstGeom prst="rect">
+                <a:avLst/>
+              </a:prstGeom>
+              <a:solidFill>
+                <a:schemeClr val="bg1"/>
+              </a:solidFill>
+            </p:spPr>
+            <p:style>
+              <a:lnRef idx="2">
+                <a:schemeClr val="accent1">
+                  <a:shade val="15000"/>
+                </a:schemeClr>
+              </a:lnRef>
+              <a:fillRef idx="1">
+                <a:schemeClr val="accent1"/>
+              </a:fillRef>
+              <a:effectRef idx="0">
+                <a:schemeClr val="accent1"/>
+              </a:effectRef>
+              <a:fontRef idx="minor">
+                <a:schemeClr val="lt1"/>
+              </a:fontRef>
+            </p:style>
+            <p:txBody>
+              <a:bodyPr rtlCol="0" anchor="ctr"/>
+              <a:lstStyle/>
+              <a:p>
+                <a:pPr algn="ctr"/>
+                <a:endParaRPr lang="en-US"/>
+              </a:p>
+            </p:txBody>
+          </p:sp>
+          <p:cxnSp>
+            <p:nvCxnSpPr>
+              <p:cNvPr id="21" name="Straight Connector 20">
+                <a:extLst>
+                  <a:ext uri="{FF2B5EF4-FFF2-40B4-BE49-F238E27FC236}">
+                    <a16:creationId xmlns:a16="http://schemas.microsoft.com/office/drawing/2014/main" id="{A27E1DCE-FC2A-9A87-9679-364DDAFF3FBD}"/>
+                  </a:ext>
+                </a:extLst>
+              </p:cNvPr>
+              <p:cNvCxnSpPr/>
+              <p:nvPr/>
+            </p:nvCxnSpPr>
+            <p:spPr>
+              <a:xfrm>
+                <a:off x="3777366" y="2317486"/>
+                <a:ext cx="0" cy="1249471"/>
+              </a:xfrm>
+              <a:prstGeom prst="line">
+                <a:avLst/>
+              </a:prstGeom>
+            </p:spPr>
+            <p:style>
+              <a:lnRef idx="2">
+                <a:schemeClr val="accent1"/>
+              </a:lnRef>
+              <a:fillRef idx="0">
+                <a:schemeClr val="accent1"/>
+              </a:fillRef>
+              <a:effectRef idx="1">
+                <a:schemeClr val="accent1"/>
+              </a:effectRef>
+              <a:fontRef idx="minor">
+                <a:schemeClr val="tx1"/>
+              </a:fontRef>
+            </p:style>
+          </p:cxnSp>
+          <p:cxnSp>
+            <p:nvCxnSpPr>
+              <p:cNvPr id="22" name="Straight Connector 21">
+                <a:extLst>
+                  <a:ext uri="{FF2B5EF4-FFF2-40B4-BE49-F238E27FC236}">
+                    <a16:creationId xmlns:a16="http://schemas.microsoft.com/office/drawing/2014/main" id="{A3F72DFA-33EA-3C34-AFB0-88D857FBB4D8}"/>
+                  </a:ext>
+                </a:extLst>
+              </p:cNvPr>
+              <p:cNvCxnSpPr>
+                <a:cxnSpLocks/>
+              </p:cNvCxnSpPr>
+              <p:nvPr/>
+            </p:nvCxnSpPr>
+            <p:spPr>
+              <a:xfrm flipH="1">
+                <a:off x="3777366" y="3566957"/>
+                <a:ext cx="2219219" cy="0"/>
+              </a:xfrm>
+              <a:prstGeom prst="line">
+                <a:avLst/>
+              </a:prstGeom>
+            </p:spPr>
+            <p:style>
+              <a:lnRef idx="2">
+                <a:schemeClr val="accent1"/>
+              </a:lnRef>
+              <a:fillRef idx="0">
+                <a:schemeClr val="accent1"/>
+              </a:fillRef>
+              <a:effectRef idx="1">
+                <a:schemeClr val="accent1"/>
+              </a:effectRef>
+              <a:fontRef idx="minor">
+                <a:schemeClr val="tx1"/>
+              </a:fontRef>
+            </p:style>
+          </p:cxnSp>
+          <p:sp>
+            <p:nvSpPr>
+              <p:cNvPr id="23" name="Rectangle 22">
+                <a:extLst>
+                  <a:ext uri="{FF2B5EF4-FFF2-40B4-BE49-F238E27FC236}">
+                    <a16:creationId xmlns:a16="http://schemas.microsoft.com/office/drawing/2014/main" id="{33EFAF98-D549-2DCD-8100-A0FDB081B5CA}"/>
+                  </a:ext>
+                </a:extLst>
+              </p:cNvPr>
+              <p:cNvSpPr/>
+              <p:nvPr/>
+            </p:nvSpPr>
+            <p:spPr>
+              <a:xfrm>
+                <a:off x="4288971" y="2947258"/>
+                <a:ext cx="121185" cy="619699"/>
+              </a:xfrm>
+              <a:prstGeom prst="rect">
+                <a:avLst/>
+              </a:prstGeom>
+            </p:spPr>
+            <p:style>
+              <a:lnRef idx="2">
+                <a:schemeClr val="accent1">
+                  <a:shade val="15000"/>
+                </a:schemeClr>
+              </a:lnRef>
+              <a:fillRef idx="1">
+                <a:schemeClr val="accent1"/>
+              </a:fillRef>
+              <a:effectRef idx="0">
+                <a:schemeClr val="accent1"/>
+              </a:effectRef>
+              <a:fontRef idx="minor">
+                <a:schemeClr val="lt1"/>
+              </a:fontRef>
+            </p:style>
+            <p:txBody>
+              <a:bodyPr rtlCol="0" anchor="ctr"/>
+              <a:lstStyle/>
+              <a:p>
+                <a:pPr algn="ctr"/>
+                <a:endParaRPr lang="en-US"/>
+              </a:p>
+            </p:txBody>
+          </p:sp>
+          <p:sp>
+            <p:nvSpPr>
+              <p:cNvPr id="24" name="Rectangle 23">
+                <a:extLst>
+                  <a:ext uri="{FF2B5EF4-FFF2-40B4-BE49-F238E27FC236}">
+                    <a16:creationId xmlns:a16="http://schemas.microsoft.com/office/drawing/2014/main" id="{C50A6B2B-BC40-B32D-1DE8-D8FDAAACD8BB}"/>
+                  </a:ext>
+                </a:extLst>
+              </p:cNvPr>
+              <p:cNvSpPr/>
+              <p:nvPr/>
+            </p:nvSpPr>
+            <p:spPr>
+              <a:xfrm>
+                <a:off x="4509989" y="2947258"/>
+                <a:ext cx="121185" cy="619699"/>
+              </a:xfrm>
+              <a:prstGeom prst="rect">
+                <a:avLst/>
+              </a:prstGeom>
+            </p:spPr>
+            <p:style>
+              <a:lnRef idx="2">
+                <a:schemeClr val="accent1">
+                  <a:shade val="15000"/>
+                </a:schemeClr>
+              </a:lnRef>
+              <a:fillRef idx="1">
+                <a:schemeClr val="accent1"/>
+              </a:fillRef>
+              <a:effectRef idx="0">
+                <a:schemeClr val="accent1"/>
+              </a:effectRef>
+              <a:fontRef idx="minor">
+                <a:schemeClr val="lt1"/>
+              </a:fontRef>
+            </p:style>
+            <p:txBody>
+              <a:bodyPr rtlCol="0" anchor="ctr"/>
+              <a:lstStyle/>
+              <a:p>
+                <a:pPr algn="ctr"/>
+                <a:endParaRPr lang="en-US"/>
+              </a:p>
+            </p:txBody>
+          </p:sp>
+          <p:sp>
+            <p:nvSpPr>
+              <p:cNvPr id="25" name="Rectangle 24">
+                <a:extLst>
+                  <a:ext uri="{FF2B5EF4-FFF2-40B4-BE49-F238E27FC236}">
+                    <a16:creationId xmlns:a16="http://schemas.microsoft.com/office/drawing/2014/main" id="{8174D860-1711-0BF3-5A3D-7BE62795B2D3}"/>
+                  </a:ext>
+                </a:extLst>
+              </p:cNvPr>
+              <p:cNvSpPr/>
+              <p:nvPr/>
+            </p:nvSpPr>
+            <p:spPr>
+              <a:xfrm>
+                <a:off x="4742705" y="2848113"/>
+                <a:ext cx="121184" cy="720222"/>
+              </a:xfrm>
+              <a:prstGeom prst="rect">
+                <a:avLst/>
+              </a:prstGeom>
+            </p:spPr>
+            <p:style>
+              <a:lnRef idx="2">
+                <a:schemeClr val="accent1">
+                  <a:shade val="15000"/>
+                </a:schemeClr>
+              </a:lnRef>
+              <a:fillRef idx="1">
+                <a:schemeClr val="accent1"/>
+              </a:fillRef>
+              <a:effectRef idx="0">
+                <a:schemeClr val="accent1"/>
+              </a:effectRef>
+              <a:fontRef idx="minor">
+                <a:schemeClr val="lt1"/>
+              </a:fontRef>
+            </p:style>
+            <p:txBody>
+              <a:bodyPr rtlCol="0" anchor="ctr"/>
+              <a:lstStyle/>
+              <a:p>
+                <a:pPr algn="ctr"/>
+                <a:endParaRPr lang="en-US"/>
+              </a:p>
+            </p:txBody>
+          </p:sp>
+          <p:sp>
+            <p:nvSpPr>
+              <p:cNvPr id="26" name="Rectangle 25">
+                <a:extLst>
+                  <a:ext uri="{FF2B5EF4-FFF2-40B4-BE49-F238E27FC236}">
+                    <a16:creationId xmlns:a16="http://schemas.microsoft.com/office/drawing/2014/main" id="{7E3D44FB-8462-9C28-8262-7F864A65EB5C}"/>
+                  </a:ext>
+                </a:extLst>
+              </p:cNvPr>
+              <p:cNvSpPr/>
+              <p:nvPr/>
+            </p:nvSpPr>
+            <p:spPr>
+              <a:xfrm>
+                <a:off x="4963724" y="2759975"/>
+                <a:ext cx="121184" cy="805606"/>
+              </a:xfrm>
+              <a:prstGeom prst="rect">
+                <a:avLst/>
+              </a:prstGeom>
+            </p:spPr>
+            <p:style>
+              <a:lnRef idx="2">
+                <a:schemeClr val="accent1">
+                  <a:shade val="15000"/>
+                </a:schemeClr>
+              </a:lnRef>
+              <a:fillRef idx="1">
+                <a:schemeClr val="accent1"/>
+              </a:fillRef>
+              <a:effectRef idx="0">
+                <a:schemeClr val="accent1"/>
+              </a:effectRef>
+              <a:fontRef idx="minor">
+                <a:schemeClr val="lt1"/>
+              </a:fontRef>
+            </p:style>
+            <p:txBody>
+              <a:bodyPr rtlCol="0" anchor="ctr"/>
+              <a:lstStyle/>
+              <a:p>
+                <a:pPr algn="ctr"/>
+                <a:endParaRPr lang="en-US"/>
+              </a:p>
+            </p:txBody>
+          </p:sp>
+          <p:sp>
+            <p:nvSpPr>
+              <p:cNvPr id="27" name="Rectangle 26">
+                <a:extLst>
+                  <a:ext uri="{FF2B5EF4-FFF2-40B4-BE49-F238E27FC236}">
+                    <a16:creationId xmlns:a16="http://schemas.microsoft.com/office/drawing/2014/main" id="{329379B6-2879-A5DE-BA7E-AF1CD46F25FC}"/>
+                  </a:ext>
+                </a:extLst>
+              </p:cNvPr>
+              <p:cNvSpPr/>
+              <p:nvPr/>
+            </p:nvSpPr>
+            <p:spPr>
+              <a:xfrm>
+                <a:off x="5208135" y="3046412"/>
+                <a:ext cx="121185" cy="519168"/>
+              </a:xfrm>
+              <a:prstGeom prst="rect">
+                <a:avLst/>
+              </a:prstGeom>
+              <a:solidFill>
+                <a:srgbClr val="C00000"/>
+              </a:solidFill>
+              <a:ln>
+                <a:solidFill>
+                  <a:schemeClr val="tx1"/>
+                </a:solidFill>
+              </a:ln>
+            </p:spPr>
+            <p:style>
+              <a:lnRef idx="2">
+                <a:schemeClr val="accent1">
+                  <a:shade val="15000"/>
+                </a:schemeClr>
+              </a:lnRef>
+              <a:fillRef idx="1">
+                <a:schemeClr val="accent1"/>
+              </a:fillRef>
+              <a:effectRef idx="0">
+                <a:schemeClr val="accent1"/>
+              </a:effectRef>
+              <a:fontRef idx="minor">
+                <a:schemeClr val="lt1"/>
+              </a:fontRef>
+            </p:style>
+            <p:txBody>
+              <a:bodyPr rtlCol="0" anchor="ctr"/>
+              <a:lstStyle/>
+              <a:p>
+                <a:pPr algn="ctr"/>
+                <a:endParaRPr lang="en-US"/>
+              </a:p>
+            </p:txBody>
+          </p:sp>
+          <p:sp>
+            <p:nvSpPr>
+              <p:cNvPr id="28" name="Rectangle 27">
+                <a:extLst>
+                  <a:ext uri="{FF2B5EF4-FFF2-40B4-BE49-F238E27FC236}">
+                    <a16:creationId xmlns:a16="http://schemas.microsoft.com/office/drawing/2014/main" id="{B57DD6D8-B757-25A9-429F-69F726F2EC57}"/>
+                  </a:ext>
+                </a:extLst>
+              </p:cNvPr>
+              <p:cNvSpPr/>
+              <p:nvPr/>
+            </p:nvSpPr>
+            <p:spPr>
+              <a:xfrm>
+                <a:off x="5503145" y="3213498"/>
+                <a:ext cx="121185" cy="352081"/>
+              </a:xfrm>
+              <a:prstGeom prst="rect">
+                <a:avLst/>
+              </a:prstGeom>
+              <a:solidFill>
+                <a:schemeClr val="bg1"/>
+              </a:solidFill>
+            </p:spPr>
+            <p:style>
+              <a:lnRef idx="2">
+                <a:schemeClr val="accent1">
+                  <a:shade val="15000"/>
+                </a:schemeClr>
+              </a:lnRef>
+              <a:fillRef idx="1">
+                <a:schemeClr val="accent1"/>
+              </a:fillRef>
+              <a:effectRef idx="0">
+                <a:schemeClr val="accent1"/>
+              </a:effectRef>
+              <a:fontRef idx="minor">
+                <a:schemeClr val="lt1"/>
+              </a:fontRef>
+            </p:style>
+            <p:txBody>
+              <a:bodyPr rtlCol="0" anchor="ctr"/>
+              <a:lstStyle/>
+              <a:p>
+                <a:pPr algn="ctr"/>
+                <a:endParaRPr lang="en-US"/>
+              </a:p>
+            </p:txBody>
+          </p:sp>
+          <p:sp>
+            <p:nvSpPr>
+              <p:cNvPr id="31" name="TextBox 30">
+                <a:extLst>
+                  <a:ext uri="{FF2B5EF4-FFF2-40B4-BE49-F238E27FC236}">
+                    <a16:creationId xmlns:a16="http://schemas.microsoft.com/office/drawing/2014/main" id="{8AE7362D-933D-E37A-0A33-3AF4446B37B1}"/>
+                  </a:ext>
+                </a:extLst>
+              </p:cNvPr>
+              <p:cNvSpPr txBox="1"/>
+              <p:nvPr/>
+            </p:nvSpPr>
+            <p:spPr>
+              <a:xfrm>
+                <a:off x="162465" y="2617720"/>
+                <a:ext cx="1132694" cy="646331"/>
+              </a:xfrm>
+              <a:prstGeom prst="rect">
+                <a:avLst/>
+              </a:prstGeom>
+              <a:noFill/>
+            </p:spPr>
+            <p:txBody>
+              <a:bodyPr wrap="square" rtlCol="0">
+                <a:spAutoFit/>
+              </a:bodyPr>
+              <a:lstStyle/>
+              <a:p>
+                <a:r>
+                  <a:rPr lang="en-US" dirty="0"/>
+                  <a:t>Reported</a:t>
+                </a:r>
+              </a:p>
+              <a:p>
+                <a:r>
+                  <a:rPr lang="en-US" dirty="0"/>
+                  <a:t>cases</a:t>
+                </a:r>
+              </a:p>
+            </p:txBody>
+          </p:sp>
+          <p:sp>
+            <p:nvSpPr>
+              <p:cNvPr id="32" name="TextBox 31">
+                <a:extLst>
+                  <a:ext uri="{FF2B5EF4-FFF2-40B4-BE49-F238E27FC236}">
+                    <a16:creationId xmlns:a16="http://schemas.microsoft.com/office/drawing/2014/main" id="{99CFD974-0EE1-4794-0E9C-02B1761946A1}"/>
+                  </a:ext>
+                </a:extLst>
+              </p:cNvPr>
+              <p:cNvSpPr txBox="1"/>
+              <p:nvPr/>
+            </p:nvSpPr>
+            <p:spPr>
+              <a:xfrm>
+                <a:off x="1948839" y="3605661"/>
+                <a:ext cx="1132694" cy="369332"/>
+              </a:xfrm>
+              <a:prstGeom prst="rect">
+                <a:avLst/>
+              </a:prstGeom>
+              <a:noFill/>
+            </p:spPr>
+            <p:txBody>
+              <a:bodyPr wrap="square" rtlCol="0">
+                <a:spAutoFit/>
+              </a:bodyPr>
+              <a:lstStyle/>
+              <a:p>
+                <a:r>
+                  <a:rPr lang="en-US" dirty="0"/>
+                  <a:t>Date</a:t>
+                </a:r>
+              </a:p>
+            </p:txBody>
+          </p:sp>
+          <p:sp>
+            <p:nvSpPr>
+              <p:cNvPr id="33" name="TextBox 32">
+                <a:extLst>
+                  <a:ext uri="{FF2B5EF4-FFF2-40B4-BE49-F238E27FC236}">
+                    <a16:creationId xmlns:a16="http://schemas.microsoft.com/office/drawing/2014/main" id="{2F806D08-E4AF-9809-6CD7-333C91182D23}"/>
+                  </a:ext>
+                </a:extLst>
+              </p:cNvPr>
+              <p:cNvSpPr txBox="1"/>
+              <p:nvPr/>
+            </p:nvSpPr>
+            <p:spPr>
+              <a:xfrm>
+                <a:off x="4525769" y="3667216"/>
+                <a:ext cx="1132694" cy="369332"/>
+              </a:xfrm>
+              <a:prstGeom prst="rect">
+                <a:avLst/>
+              </a:prstGeom>
+              <a:noFill/>
+            </p:spPr>
+            <p:txBody>
+              <a:bodyPr wrap="square" rtlCol="0">
+                <a:spAutoFit/>
+              </a:bodyPr>
+              <a:lstStyle/>
+              <a:p>
+                <a:r>
+                  <a:rPr lang="en-US" dirty="0"/>
+                  <a:t>Date</a:t>
+                </a:r>
+              </a:p>
+            </p:txBody>
+          </p:sp>
+          <p:sp>
+            <p:nvSpPr>
+              <p:cNvPr id="34" name="TextBox 33">
+                <a:extLst>
+                  <a:ext uri="{FF2B5EF4-FFF2-40B4-BE49-F238E27FC236}">
+                    <a16:creationId xmlns:a16="http://schemas.microsoft.com/office/drawing/2014/main" id="{D276003B-8618-58BB-5238-4ED9CE0ED2A2}"/>
+                  </a:ext>
+                </a:extLst>
+              </p:cNvPr>
+              <p:cNvSpPr txBox="1"/>
+              <p:nvPr/>
+            </p:nvSpPr>
+            <p:spPr>
+              <a:xfrm>
+                <a:off x="1302358" y="2232009"/>
+                <a:ext cx="1132694" cy="369332"/>
+              </a:xfrm>
+              <a:prstGeom prst="rect">
+                <a:avLst/>
+              </a:prstGeom>
+              <a:noFill/>
+            </p:spPr>
+            <p:txBody>
+              <a:bodyPr wrap="square" rtlCol="0">
+                <a:spAutoFit/>
+              </a:bodyPr>
+              <a:lstStyle/>
+              <a:p>
+                <a:r>
+                  <a:rPr lang="en-US" dirty="0"/>
+                  <a:t>a)</a:t>
+                </a:r>
+              </a:p>
+            </p:txBody>
+          </p:sp>
+          <p:sp>
+            <p:nvSpPr>
+              <p:cNvPr id="35" name="TextBox 34">
+                <a:extLst>
+                  <a:ext uri="{FF2B5EF4-FFF2-40B4-BE49-F238E27FC236}">
+                    <a16:creationId xmlns:a16="http://schemas.microsoft.com/office/drawing/2014/main" id="{BCC4DD9A-242D-16D1-D2F4-14FFF0310380}"/>
+                  </a:ext>
+                </a:extLst>
+              </p:cNvPr>
+              <p:cNvSpPr txBox="1"/>
+              <p:nvPr/>
+            </p:nvSpPr>
+            <p:spPr>
+              <a:xfrm>
+                <a:off x="3816451" y="2217268"/>
+                <a:ext cx="1132694" cy="369332"/>
+              </a:xfrm>
+              <a:prstGeom prst="rect">
+                <a:avLst/>
+              </a:prstGeom>
+              <a:noFill/>
+            </p:spPr>
+            <p:txBody>
+              <a:bodyPr wrap="square" rtlCol="0">
+                <a:spAutoFit/>
+              </a:bodyPr>
+              <a:lstStyle/>
+              <a:p>
+                <a:r>
+                  <a:rPr lang="en-US" dirty="0"/>
+                  <a:t>b)</a:t>
+                </a:r>
+              </a:p>
+            </p:txBody>
+          </p:sp>
+          <p:sp>
+            <p:nvSpPr>
+              <p:cNvPr id="37" name="TextBox 36">
+                <a:extLst>
+                  <a:ext uri="{FF2B5EF4-FFF2-40B4-BE49-F238E27FC236}">
+                    <a16:creationId xmlns:a16="http://schemas.microsoft.com/office/drawing/2014/main" id="{090FD743-F386-BB60-D27D-693F6742691A}"/>
+                  </a:ext>
+                </a:extLst>
+              </p:cNvPr>
+              <p:cNvSpPr txBox="1"/>
+              <p:nvPr/>
+            </p:nvSpPr>
+            <p:spPr>
+              <a:xfrm>
+                <a:off x="2457287" y="3544106"/>
+                <a:ext cx="986057" cy="246221"/>
+              </a:xfrm>
+              <a:prstGeom prst="rect">
+                <a:avLst/>
+              </a:prstGeom>
+              <a:noFill/>
+            </p:spPr>
+            <p:txBody>
+              <a:bodyPr wrap="square" rtlCol="0">
+                <a:spAutoFit/>
+              </a:bodyPr>
+              <a:lstStyle/>
+              <a:p>
+                <a:r>
+                  <a:rPr lang="en-US" sz="1000" dirty="0">
+                    <a:solidFill>
+                      <a:srgbClr val="FF0000"/>
+                    </a:solidFill>
+                  </a:rPr>
+                  <a:t>Today</a:t>
+                </a:r>
+              </a:p>
+            </p:txBody>
+          </p:sp>
+          <p:sp>
+            <p:nvSpPr>
+              <p:cNvPr id="38" name="TextBox 37">
+                <a:extLst>
+                  <a:ext uri="{FF2B5EF4-FFF2-40B4-BE49-F238E27FC236}">
+                    <a16:creationId xmlns:a16="http://schemas.microsoft.com/office/drawing/2014/main" id="{CB237D1A-2D83-92AB-AB0A-218AC6C4C1D7}"/>
+                  </a:ext>
+                </a:extLst>
+              </p:cNvPr>
+              <p:cNvSpPr txBox="1"/>
+              <p:nvPr/>
+            </p:nvSpPr>
+            <p:spPr>
+              <a:xfrm>
+                <a:off x="4967090" y="3544106"/>
+                <a:ext cx="986057" cy="246221"/>
+              </a:xfrm>
+              <a:prstGeom prst="rect">
+                <a:avLst/>
+              </a:prstGeom>
+              <a:noFill/>
+            </p:spPr>
+            <p:txBody>
+              <a:bodyPr wrap="square" rtlCol="0">
+                <a:spAutoFit/>
+              </a:bodyPr>
+              <a:lstStyle/>
+              <a:p>
+                <a:r>
+                  <a:rPr lang="en-US" sz="1000" dirty="0">
+                    <a:solidFill>
+                      <a:srgbClr val="FF0000"/>
+                    </a:solidFill>
+                  </a:rPr>
+                  <a:t>Today</a:t>
+                </a:r>
+              </a:p>
+            </p:txBody>
+          </p:sp>
+          <p:sp>
+            <p:nvSpPr>
+              <p:cNvPr id="39" name="TextBox 38">
+                <a:extLst>
+                  <a:ext uri="{FF2B5EF4-FFF2-40B4-BE49-F238E27FC236}">
+                    <a16:creationId xmlns:a16="http://schemas.microsoft.com/office/drawing/2014/main" id="{2A06144E-46AB-36C9-5C23-80E5488D7420}"/>
+                  </a:ext>
+                </a:extLst>
+              </p:cNvPr>
+              <p:cNvSpPr txBox="1"/>
+              <p:nvPr/>
+            </p:nvSpPr>
+            <p:spPr>
+              <a:xfrm>
+                <a:off x="2842297" y="3544106"/>
+                <a:ext cx="986057" cy="246221"/>
+              </a:xfrm>
+              <a:prstGeom prst="rect">
+                <a:avLst/>
+              </a:prstGeom>
+              <a:noFill/>
+            </p:spPr>
+            <p:txBody>
+              <a:bodyPr wrap="square" rtlCol="0">
+                <a:spAutoFit/>
+              </a:bodyPr>
+              <a:lstStyle/>
+              <a:p>
+                <a:r>
+                  <a:rPr lang="en-US" sz="1000" dirty="0">
+                    <a:solidFill>
+                      <a:schemeClr val="accent5"/>
+                    </a:solidFill>
+                  </a:rPr>
+                  <a:t>Tomorrow</a:t>
+                </a:r>
+              </a:p>
+            </p:txBody>
+          </p:sp>
+        </p:grpSp>
+        <p:sp>
+          <p:nvSpPr>
+            <p:cNvPr id="40" name="TextBox 39">
               <a:extLst>
                 <a:ext uri="{FF2B5EF4-FFF2-40B4-BE49-F238E27FC236}">
-                  <a16:creationId xmlns:a16="http://schemas.microsoft.com/office/drawing/2014/main" id="{1E9E7701-99CC-7E04-7008-2E7092C75213}"/>
-                </a:ext>
-              </a:extLst>
-            </p:cNvPr>
-            <p:cNvCxnSpPr>
-              <a:cxnSpLocks/>
-            </p:cNvCxnSpPr>
-            <p:nvPr/>
-          </p:nvCxnSpPr>
-          <p:spPr>
-            <a:xfrm flipH="1">
-              <a:off x="1295161" y="3556908"/>
-              <a:ext cx="2219219" cy="0"/>
-            </a:xfrm>
-            <a:prstGeom prst="line">
-              <a:avLst/>
-            </a:prstGeom>
-          </p:spPr>
-          <p:style>
-            <a:lnRef idx="2">
-              <a:schemeClr val="accent1"/>
-            </a:lnRef>
-            <a:fillRef idx="0">
-              <a:schemeClr val="accent1"/>
-            </a:fillRef>
-            <a:effectRef idx="1">
-              <a:schemeClr val="accent1"/>
-            </a:effectRef>
-            <a:fontRef idx="minor">
-              <a:schemeClr val="tx1"/>
-            </a:fontRef>
-          </p:style>
-        </p:cxnSp>
-        <p:sp>
-          <p:nvSpPr>
-            <p:cNvPr id="7" name="Rectangle 6">
-              <a:extLst>
-                <a:ext uri="{FF2B5EF4-FFF2-40B4-BE49-F238E27FC236}">
-                  <a16:creationId xmlns:a16="http://schemas.microsoft.com/office/drawing/2014/main" id="{0B240145-2025-23BE-F576-B57493EFAB59}"/>
-                </a:ext>
-              </a:extLst>
-            </p:cNvPr>
-            <p:cNvSpPr/>
-            <p:nvPr/>
-          </p:nvSpPr>
-          <p:spPr>
-            <a:xfrm>
-              <a:off x="1806766" y="2937209"/>
-              <a:ext cx="121185" cy="619699"/>
-            </a:xfrm>
-            <a:prstGeom prst="rect">
-              <a:avLst/>
-            </a:prstGeom>
-          </p:spPr>
-          <p:style>
-            <a:lnRef idx="2">
-              <a:schemeClr val="accent1">
-                <a:shade val="15000"/>
-              </a:schemeClr>
-            </a:lnRef>
-            <a:fillRef idx="1">
-              <a:schemeClr val="accent1"/>
-            </a:fillRef>
-            <a:effectRef idx="0">
-              <a:schemeClr val="accent1"/>
-            </a:effectRef>
-            <a:fontRef idx="minor">
-              <a:schemeClr val="lt1"/>
-            </a:fontRef>
-          </p:style>
-          <p:txBody>
-            <a:bodyPr rtlCol="0" anchor="ctr"/>
-            <a:lstStyle/>
-            <a:p>
-              <a:pPr algn="ctr"/>
-              <a:endParaRPr lang="en-US"/>
-            </a:p>
-          </p:txBody>
-        </p:sp>
-        <p:sp>
-          <p:nvSpPr>
-            <p:cNvPr id="8" name="Rectangle 7">
-              <a:extLst>
-                <a:ext uri="{FF2B5EF4-FFF2-40B4-BE49-F238E27FC236}">
-                  <a16:creationId xmlns:a16="http://schemas.microsoft.com/office/drawing/2014/main" id="{41CCDBE2-C69C-1245-2D24-0E59E2E3932F}"/>
-                </a:ext>
-              </a:extLst>
-            </p:cNvPr>
-            <p:cNvSpPr/>
-            <p:nvPr/>
-          </p:nvSpPr>
-          <p:spPr>
-            <a:xfrm>
-              <a:off x="2027784" y="2937209"/>
-              <a:ext cx="121185" cy="619699"/>
-            </a:xfrm>
-            <a:prstGeom prst="rect">
-              <a:avLst/>
-            </a:prstGeom>
-          </p:spPr>
-          <p:style>
-            <a:lnRef idx="2">
-              <a:schemeClr val="accent1">
-                <a:shade val="15000"/>
-              </a:schemeClr>
-            </a:lnRef>
-            <a:fillRef idx="1">
-              <a:schemeClr val="accent1"/>
-            </a:fillRef>
-            <a:effectRef idx="0">
-              <a:schemeClr val="accent1"/>
-            </a:effectRef>
-            <a:fontRef idx="minor">
-              <a:schemeClr val="lt1"/>
-            </a:fontRef>
-          </p:style>
-          <p:txBody>
-            <a:bodyPr rtlCol="0" anchor="ctr"/>
-            <a:lstStyle/>
-            <a:p>
-              <a:pPr algn="ctr"/>
-              <a:endParaRPr lang="en-US"/>
-            </a:p>
-          </p:txBody>
-        </p:sp>
-        <p:sp>
-          <p:nvSpPr>
-            <p:cNvPr id="9" name="Rectangle 8">
-              <a:extLst>
-                <a:ext uri="{FF2B5EF4-FFF2-40B4-BE49-F238E27FC236}">
-                  <a16:creationId xmlns:a16="http://schemas.microsoft.com/office/drawing/2014/main" id="{1890F1B0-205B-9B89-78A9-76EC45A48B75}"/>
-                </a:ext>
-              </a:extLst>
-            </p:cNvPr>
-            <p:cNvSpPr/>
-            <p:nvPr/>
-          </p:nvSpPr>
-          <p:spPr>
-            <a:xfrm>
-              <a:off x="2260500" y="2838064"/>
-              <a:ext cx="121184" cy="720222"/>
-            </a:xfrm>
-            <a:prstGeom prst="rect">
-              <a:avLst/>
-            </a:prstGeom>
-          </p:spPr>
-          <p:style>
-            <a:lnRef idx="2">
-              <a:schemeClr val="accent1">
-                <a:shade val="15000"/>
-              </a:schemeClr>
-            </a:lnRef>
-            <a:fillRef idx="1">
-              <a:schemeClr val="accent1"/>
-            </a:fillRef>
-            <a:effectRef idx="0">
-              <a:schemeClr val="accent1"/>
-            </a:effectRef>
-            <a:fontRef idx="minor">
-              <a:schemeClr val="lt1"/>
-            </a:fontRef>
-          </p:style>
-          <p:txBody>
-            <a:bodyPr rtlCol="0" anchor="ctr"/>
-            <a:lstStyle/>
-            <a:p>
-              <a:pPr algn="ctr"/>
-              <a:endParaRPr lang="en-US"/>
-            </a:p>
-          </p:txBody>
-        </p:sp>
-        <p:sp>
-          <p:nvSpPr>
-            <p:cNvPr id="10" name="Rectangle 9">
-              <a:extLst>
-                <a:ext uri="{FF2B5EF4-FFF2-40B4-BE49-F238E27FC236}">
-                  <a16:creationId xmlns:a16="http://schemas.microsoft.com/office/drawing/2014/main" id="{F2A1BF08-ED1E-ADEA-4A56-36BC7AA5A309}"/>
-                </a:ext>
-              </a:extLst>
-            </p:cNvPr>
-            <p:cNvSpPr/>
-            <p:nvPr/>
-          </p:nvSpPr>
-          <p:spPr>
-            <a:xfrm>
-              <a:off x="2481519" y="2749926"/>
-              <a:ext cx="121184" cy="805606"/>
-            </a:xfrm>
-            <a:prstGeom prst="rect">
-              <a:avLst/>
-            </a:prstGeom>
-          </p:spPr>
-          <p:style>
-            <a:lnRef idx="2">
-              <a:schemeClr val="accent1">
-                <a:shade val="15000"/>
-              </a:schemeClr>
-            </a:lnRef>
-            <a:fillRef idx="1">
-              <a:schemeClr val="accent1"/>
-            </a:fillRef>
-            <a:effectRef idx="0">
-              <a:schemeClr val="accent1"/>
-            </a:effectRef>
-            <a:fontRef idx="minor">
-              <a:schemeClr val="lt1"/>
-            </a:fontRef>
-          </p:style>
-          <p:txBody>
-            <a:bodyPr rtlCol="0" anchor="ctr"/>
-            <a:lstStyle/>
-            <a:p>
-              <a:pPr algn="ctr"/>
-              <a:endParaRPr lang="en-US"/>
-            </a:p>
-          </p:txBody>
-        </p:sp>
-        <p:sp>
-          <p:nvSpPr>
-            <p:cNvPr id="11" name="Rectangle 10">
-              <a:extLst>
-                <a:ext uri="{FF2B5EF4-FFF2-40B4-BE49-F238E27FC236}">
-                  <a16:creationId xmlns:a16="http://schemas.microsoft.com/office/drawing/2014/main" id="{6D513B13-F24B-E8A6-4C10-9002DE3DEC3D}"/>
-                </a:ext>
-              </a:extLst>
-            </p:cNvPr>
-            <p:cNvSpPr/>
-            <p:nvPr/>
-          </p:nvSpPr>
-          <p:spPr>
-            <a:xfrm>
-              <a:off x="2725930" y="3036363"/>
-              <a:ext cx="121185" cy="519168"/>
-            </a:xfrm>
-            <a:prstGeom prst="rect">
-              <a:avLst/>
-            </a:prstGeom>
-            <a:solidFill>
-              <a:srgbClr val="C00000"/>
-            </a:solidFill>
-            <a:ln>
-              <a:solidFill>
-                <a:schemeClr val="tx1"/>
-              </a:solidFill>
-            </a:ln>
-          </p:spPr>
-          <p:style>
-            <a:lnRef idx="2">
-              <a:schemeClr val="accent1">
-                <a:shade val="15000"/>
-              </a:schemeClr>
-            </a:lnRef>
-            <a:fillRef idx="1">
-              <a:schemeClr val="accent1"/>
-            </a:fillRef>
-            <a:effectRef idx="0">
-              <a:schemeClr val="accent1"/>
-            </a:effectRef>
-            <a:fontRef idx="minor">
-              <a:schemeClr val="lt1"/>
-            </a:fontRef>
-          </p:style>
-          <p:txBody>
-            <a:bodyPr rtlCol="0" anchor="ctr"/>
-            <a:lstStyle/>
-            <a:p>
-              <a:pPr algn="ctr"/>
-              <a:endParaRPr lang="en-US"/>
-            </a:p>
-          </p:txBody>
-        </p:sp>
-        <p:sp>
-          <p:nvSpPr>
-            <p:cNvPr id="20" name="Rectangle 19">
-              <a:extLst>
-                <a:ext uri="{FF2B5EF4-FFF2-40B4-BE49-F238E27FC236}">
-                  <a16:creationId xmlns:a16="http://schemas.microsoft.com/office/drawing/2014/main" id="{379BA528-879F-291E-D512-8FC26E3BB8BB}"/>
-                </a:ext>
-              </a:extLst>
-            </p:cNvPr>
-            <p:cNvSpPr/>
-            <p:nvPr/>
-          </p:nvSpPr>
-          <p:spPr>
-            <a:xfrm>
-              <a:off x="3020941" y="2518579"/>
-              <a:ext cx="121184" cy="1036952"/>
-            </a:xfrm>
-            <a:prstGeom prst="rect">
-              <a:avLst/>
-            </a:prstGeom>
-            <a:solidFill>
-              <a:schemeClr val="bg1"/>
-            </a:solidFill>
-          </p:spPr>
-          <p:style>
-            <a:lnRef idx="2">
-              <a:schemeClr val="accent1">
-                <a:shade val="15000"/>
-              </a:schemeClr>
-            </a:lnRef>
-            <a:fillRef idx="1">
-              <a:schemeClr val="accent1"/>
-            </a:fillRef>
-            <a:effectRef idx="0">
-              <a:schemeClr val="accent1"/>
-            </a:effectRef>
-            <a:fontRef idx="minor">
-              <a:schemeClr val="lt1"/>
-            </a:fontRef>
-          </p:style>
-          <p:txBody>
-            <a:bodyPr rtlCol="0" anchor="ctr"/>
-            <a:lstStyle/>
-            <a:p>
-              <a:pPr algn="ctr"/>
-              <a:endParaRPr lang="en-US"/>
-            </a:p>
-          </p:txBody>
-        </p:sp>
-        <p:cxnSp>
-          <p:nvCxnSpPr>
-            <p:cNvPr id="21" name="Straight Connector 20">
-              <a:extLst>
-                <a:ext uri="{FF2B5EF4-FFF2-40B4-BE49-F238E27FC236}">
-                  <a16:creationId xmlns:a16="http://schemas.microsoft.com/office/drawing/2014/main" id="{A27E1DCE-FC2A-9A87-9679-364DDAFF3FBD}"/>
-                </a:ext>
-              </a:extLst>
-            </p:cNvPr>
-            <p:cNvCxnSpPr/>
-            <p:nvPr/>
-          </p:nvCxnSpPr>
-          <p:spPr>
-            <a:xfrm>
-              <a:off x="3777366" y="2317486"/>
-              <a:ext cx="0" cy="1249471"/>
-            </a:xfrm>
-            <a:prstGeom prst="line">
-              <a:avLst/>
-            </a:prstGeom>
-          </p:spPr>
-          <p:style>
-            <a:lnRef idx="2">
-              <a:schemeClr val="accent1"/>
-            </a:lnRef>
-            <a:fillRef idx="0">
-              <a:schemeClr val="accent1"/>
-            </a:fillRef>
-            <a:effectRef idx="1">
-              <a:schemeClr val="accent1"/>
-            </a:effectRef>
-            <a:fontRef idx="minor">
-              <a:schemeClr val="tx1"/>
-            </a:fontRef>
-          </p:style>
-        </p:cxnSp>
-        <p:cxnSp>
-          <p:nvCxnSpPr>
-            <p:cNvPr id="22" name="Straight Connector 21">
-              <a:extLst>
-                <a:ext uri="{FF2B5EF4-FFF2-40B4-BE49-F238E27FC236}">
-                  <a16:creationId xmlns:a16="http://schemas.microsoft.com/office/drawing/2014/main" id="{A3F72DFA-33EA-3C34-AFB0-88D857FBB4D8}"/>
-                </a:ext>
-              </a:extLst>
-            </p:cNvPr>
-            <p:cNvCxnSpPr>
-              <a:cxnSpLocks/>
-            </p:cNvCxnSpPr>
-            <p:nvPr/>
-          </p:nvCxnSpPr>
-          <p:spPr>
-            <a:xfrm flipH="1">
-              <a:off x="3777366" y="3566957"/>
-              <a:ext cx="2219219" cy="0"/>
-            </a:xfrm>
-            <a:prstGeom prst="line">
-              <a:avLst/>
-            </a:prstGeom>
-          </p:spPr>
-          <p:style>
-            <a:lnRef idx="2">
-              <a:schemeClr val="accent1"/>
-            </a:lnRef>
-            <a:fillRef idx="0">
-              <a:schemeClr val="accent1"/>
-            </a:fillRef>
-            <a:effectRef idx="1">
-              <a:schemeClr val="accent1"/>
-            </a:effectRef>
-            <a:fontRef idx="minor">
-              <a:schemeClr val="tx1"/>
-            </a:fontRef>
-          </p:style>
-        </p:cxnSp>
-        <p:sp>
-          <p:nvSpPr>
-            <p:cNvPr id="23" name="Rectangle 22">
-              <a:extLst>
-                <a:ext uri="{FF2B5EF4-FFF2-40B4-BE49-F238E27FC236}">
-                  <a16:creationId xmlns:a16="http://schemas.microsoft.com/office/drawing/2014/main" id="{33EFAF98-D549-2DCD-8100-A0FDB081B5CA}"/>
-                </a:ext>
-              </a:extLst>
-            </p:cNvPr>
-            <p:cNvSpPr/>
-            <p:nvPr/>
-          </p:nvSpPr>
-          <p:spPr>
-            <a:xfrm>
-              <a:off x="4288971" y="2947258"/>
-              <a:ext cx="121185" cy="619699"/>
-            </a:xfrm>
-            <a:prstGeom prst="rect">
-              <a:avLst/>
-            </a:prstGeom>
-          </p:spPr>
-          <p:style>
-            <a:lnRef idx="2">
-              <a:schemeClr val="accent1">
-                <a:shade val="15000"/>
-              </a:schemeClr>
-            </a:lnRef>
-            <a:fillRef idx="1">
-              <a:schemeClr val="accent1"/>
-            </a:fillRef>
-            <a:effectRef idx="0">
-              <a:schemeClr val="accent1"/>
-            </a:effectRef>
-            <a:fontRef idx="minor">
-              <a:schemeClr val="lt1"/>
-            </a:fontRef>
-          </p:style>
-          <p:txBody>
-            <a:bodyPr rtlCol="0" anchor="ctr"/>
-            <a:lstStyle/>
-            <a:p>
-              <a:pPr algn="ctr"/>
-              <a:endParaRPr lang="en-US"/>
-            </a:p>
-          </p:txBody>
-        </p:sp>
-        <p:sp>
-          <p:nvSpPr>
-            <p:cNvPr id="24" name="Rectangle 23">
-              <a:extLst>
-                <a:ext uri="{FF2B5EF4-FFF2-40B4-BE49-F238E27FC236}">
-                  <a16:creationId xmlns:a16="http://schemas.microsoft.com/office/drawing/2014/main" id="{C50A6B2B-BC40-B32D-1DE8-D8FDAAACD8BB}"/>
-                </a:ext>
-              </a:extLst>
-            </p:cNvPr>
-            <p:cNvSpPr/>
-            <p:nvPr/>
-          </p:nvSpPr>
-          <p:spPr>
-            <a:xfrm>
-              <a:off x="4509989" y="2947258"/>
-              <a:ext cx="121185" cy="619699"/>
-            </a:xfrm>
-            <a:prstGeom prst="rect">
-              <a:avLst/>
-            </a:prstGeom>
-          </p:spPr>
-          <p:style>
-            <a:lnRef idx="2">
-              <a:schemeClr val="accent1">
-                <a:shade val="15000"/>
-              </a:schemeClr>
-            </a:lnRef>
-            <a:fillRef idx="1">
-              <a:schemeClr val="accent1"/>
-            </a:fillRef>
-            <a:effectRef idx="0">
-              <a:schemeClr val="accent1"/>
-            </a:effectRef>
-            <a:fontRef idx="minor">
-              <a:schemeClr val="lt1"/>
-            </a:fontRef>
-          </p:style>
-          <p:txBody>
-            <a:bodyPr rtlCol="0" anchor="ctr"/>
-            <a:lstStyle/>
-            <a:p>
-              <a:pPr algn="ctr"/>
-              <a:endParaRPr lang="en-US"/>
-            </a:p>
-          </p:txBody>
-        </p:sp>
-        <p:sp>
-          <p:nvSpPr>
-            <p:cNvPr id="25" name="Rectangle 24">
-              <a:extLst>
-                <a:ext uri="{FF2B5EF4-FFF2-40B4-BE49-F238E27FC236}">
-                  <a16:creationId xmlns:a16="http://schemas.microsoft.com/office/drawing/2014/main" id="{8174D860-1711-0BF3-5A3D-7BE62795B2D3}"/>
-                </a:ext>
-              </a:extLst>
-            </p:cNvPr>
-            <p:cNvSpPr/>
-            <p:nvPr/>
-          </p:nvSpPr>
-          <p:spPr>
-            <a:xfrm>
-              <a:off x="4742705" y="2848113"/>
-              <a:ext cx="121184" cy="720222"/>
-            </a:xfrm>
-            <a:prstGeom prst="rect">
-              <a:avLst/>
-            </a:prstGeom>
-          </p:spPr>
-          <p:style>
-            <a:lnRef idx="2">
-              <a:schemeClr val="accent1">
-                <a:shade val="15000"/>
-              </a:schemeClr>
-            </a:lnRef>
-            <a:fillRef idx="1">
-              <a:schemeClr val="accent1"/>
-            </a:fillRef>
-            <a:effectRef idx="0">
-              <a:schemeClr val="accent1"/>
-            </a:effectRef>
-            <a:fontRef idx="minor">
-              <a:schemeClr val="lt1"/>
-            </a:fontRef>
-          </p:style>
-          <p:txBody>
-            <a:bodyPr rtlCol="0" anchor="ctr"/>
-            <a:lstStyle/>
-            <a:p>
-              <a:pPr algn="ctr"/>
-              <a:endParaRPr lang="en-US"/>
-            </a:p>
-          </p:txBody>
-        </p:sp>
-        <p:sp>
-          <p:nvSpPr>
-            <p:cNvPr id="26" name="Rectangle 25">
-              <a:extLst>
-                <a:ext uri="{FF2B5EF4-FFF2-40B4-BE49-F238E27FC236}">
-                  <a16:creationId xmlns:a16="http://schemas.microsoft.com/office/drawing/2014/main" id="{7E3D44FB-8462-9C28-8262-7F864A65EB5C}"/>
-                </a:ext>
-              </a:extLst>
-            </p:cNvPr>
-            <p:cNvSpPr/>
-            <p:nvPr/>
-          </p:nvSpPr>
-          <p:spPr>
-            <a:xfrm>
-              <a:off x="4963724" y="2759975"/>
-              <a:ext cx="121184" cy="805606"/>
-            </a:xfrm>
-            <a:prstGeom prst="rect">
-              <a:avLst/>
-            </a:prstGeom>
-          </p:spPr>
-          <p:style>
-            <a:lnRef idx="2">
-              <a:schemeClr val="accent1">
-                <a:shade val="15000"/>
-              </a:schemeClr>
-            </a:lnRef>
-            <a:fillRef idx="1">
-              <a:schemeClr val="accent1"/>
-            </a:fillRef>
-            <a:effectRef idx="0">
-              <a:schemeClr val="accent1"/>
-            </a:effectRef>
-            <a:fontRef idx="minor">
-              <a:schemeClr val="lt1"/>
-            </a:fontRef>
-          </p:style>
-          <p:txBody>
-            <a:bodyPr rtlCol="0" anchor="ctr"/>
-            <a:lstStyle/>
-            <a:p>
-              <a:pPr algn="ctr"/>
-              <a:endParaRPr lang="en-US"/>
-            </a:p>
-          </p:txBody>
-        </p:sp>
-        <p:sp>
-          <p:nvSpPr>
-            <p:cNvPr id="27" name="Rectangle 26">
-              <a:extLst>
-                <a:ext uri="{FF2B5EF4-FFF2-40B4-BE49-F238E27FC236}">
-                  <a16:creationId xmlns:a16="http://schemas.microsoft.com/office/drawing/2014/main" id="{329379B6-2879-A5DE-BA7E-AF1CD46F25FC}"/>
-                </a:ext>
-              </a:extLst>
-            </p:cNvPr>
-            <p:cNvSpPr/>
-            <p:nvPr/>
-          </p:nvSpPr>
-          <p:spPr>
-            <a:xfrm>
-              <a:off x="5208135" y="3046412"/>
-              <a:ext cx="121185" cy="519168"/>
-            </a:xfrm>
-            <a:prstGeom prst="rect">
-              <a:avLst/>
-            </a:prstGeom>
-            <a:solidFill>
-              <a:srgbClr val="C00000"/>
-            </a:solidFill>
-            <a:ln>
-              <a:solidFill>
-                <a:schemeClr val="tx1"/>
-              </a:solidFill>
-            </a:ln>
-          </p:spPr>
-          <p:style>
-            <a:lnRef idx="2">
-              <a:schemeClr val="accent1">
-                <a:shade val="15000"/>
-              </a:schemeClr>
-            </a:lnRef>
-            <a:fillRef idx="1">
-              <a:schemeClr val="accent1"/>
-            </a:fillRef>
-            <a:effectRef idx="0">
-              <a:schemeClr val="accent1"/>
-            </a:effectRef>
-            <a:fontRef idx="minor">
-              <a:schemeClr val="lt1"/>
-            </a:fontRef>
-          </p:style>
-          <p:txBody>
-            <a:bodyPr rtlCol="0" anchor="ctr"/>
-            <a:lstStyle/>
-            <a:p>
-              <a:pPr algn="ctr"/>
-              <a:endParaRPr lang="en-US"/>
-            </a:p>
-          </p:txBody>
-        </p:sp>
-        <p:sp>
-          <p:nvSpPr>
-            <p:cNvPr id="28" name="Rectangle 27">
-              <a:extLst>
-                <a:ext uri="{FF2B5EF4-FFF2-40B4-BE49-F238E27FC236}">
-                  <a16:creationId xmlns:a16="http://schemas.microsoft.com/office/drawing/2014/main" id="{B57DD6D8-B757-25A9-429F-69F726F2EC57}"/>
-                </a:ext>
-              </a:extLst>
-            </p:cNvPr>
-            <p:cNvSpPr/>
-            <p:nvPr/>
-          </p:nvSpPr>
-          <p:spPr>
-            <a:xfrm>
-              <a:off x="5503145" y="3213498"/>
-              <a:ext cx="121185" cy="352081"/>
-            </a:xfrm>
-            <a:prstGeom prst="rect">
-              <a:avLst/>
-            </a:prstGeom>
-            <a:solidFill>
-              <a:schemeClr val="bg1"/>
-            </a:solidFill>
-          </p:spPr>
-          <p:style>
-            <a:lnRef idx="2">
-              <a:schemeClr val="accent1">
-                <a:shade val="15000"/>
-              </a:schemeClr>
-            </a:lnRef>
-            <a:fillRef idx="1">
-              <a:schemeClr val="accent1"/>
-            </a:fillRef>
-            <a:effectRef idx="0">
-              <a:schemeClr val="accent1"/>
-            </a:effectRef>
-            <a:fontRef idx="minor">
-              <a:schemeClr val="lt1"/>
-            </a:fontRef>
-          </p:style>
-          <p:txBody>
-            <a:bodyPr rtlCol="0" anchor="ctr"/>
-            <a:lstStyle/>
-            <a:p>
-              <a:pPr algn="ctr"/>
-              <a:endParaRPr lang="en-US"/>
-            </a:p>
-          </p:txBody>
-        </p:sp>
-        <p:sp>
-          <p:nvSpPr>
-            <p:cNvPr id="31" name="TextBox 30">
-              <a:extLst>
-                <a:ext uri="{FF2B5EF4-FFF2-40B4-BE49-F238E27FC236}">
-                  <a16:creationId xmlns:a16="http://schemas.microsoft.com/office/drawing/2014/main" id="{8AE7362D-933D-E37A-0A33-3AF4446B37B1}"/>
+                  <a16:creationId xmlns:a16="http://schemas.microsoft.com/office/drawing/2014/main" id="{D8C09877-AD07-1154-2D1C-25513208FFF4}"/>
                 </a:ext>
               </a:extLst>
             </p:cNvPr>
@@ -4259,266 +4578,7 @@
           </p:nvSpPr>
           <p:spPr>
             <a:xfrm>
-              <a:off x="162465" y="2617720"/>
-              <a:ext cx="1132694" cy="646331"/>
-            </a:xfrm>
-            <a:prstGeom prst="rect">
-              <a:avLst/>
-            </a:prstGeom>
-            <a:noFill/>
-          </p:spPr>
-          <p:txBody>
-            <a:bodyPr wrap="square" rtlCol="0">
-              <a:spAutoFit/>
-            </a:bodyPr>
-            <a:lstStyle/>
-            <a:p>
-              <a:r>
-                <a:rPr lang="en-US" dirty="0"/>
-                <a:t>Reported</a:t>
-              </a:r>
-            </a:p>
-            <a:p>
-              <a:r>
-                <a:rPr lang="en-US" dirty="0"/>
-                <a:t>cases</a:t>
-              </a:r>
-            </a:p>
-          </p:txBody>
-        </p:sp>
-        <p:sp>
-          <p:nvSpPr>
-            <p:cNvPr id="32" name="TextBox 31">
-              <a:extLst>
-                <a:ext uri="{FF2B5EF4-FFF2-40B4-BE49-F238E27FC236}">
-                  <a16:creationId xmlns:a16="http://schemas.microsoft.com/office/drawing/2014/main" id="{99CFD974-0EE1-4794-0E9C-02B1761946A1}"/>
-                </a:ext>
-              </a:extLst>
-            </p:cNvPr>
-            <p:cNvSpPr txBox="1"/>
-            <p:nvPr/>
-          </p:nvSpPr>
-          <p:spPr>
-            <a:xfrm>
-              <a:off x="1948839" y="3605661"/>
-              <a:ext cx="1132694" cy="369332"/>
-            </a:xfrm>
-            <a:prstGeom prst="rect">
-              <a:avLst/>
-            </a:prstGeom>
-            <a:noFill/>
-          </p:spPr>
-          <p:txBody>
-            <a:bodyPr wrap="square" rtlCol="0">
-              <a:spAutoFit/>
-            </a:bodyPr>
-            <a:lstStyle/>
-            <a:p>
-              <a:r>
-                <a:rPr lang="en-US" dirty="0"/>
-                <a:t>Date</a:t>
-              </a:r>
-            </a:p>
-          </p:txBody>
-        </p:sp>
-        <p:sp>
-          <p:nvSpPr>
-            <p:cNvPr id="33" name="TextBox 32">
-              <a:extLst>
-                <a:ext uri="{FF2B5EF4-FFF2-40B4-BE49-F238E27FC236}">
-                  <a16:creationId xmlns:a16="http://schemas.microsoft.com/office/drawing/2014/main" id="{2F806D08-E4AF-9809-6CD7-333C91182D23}"/>
-                </a:ext>
-              </a:extLst>
-            </p:cNvPr>
-            <p:cNvSpPr txBox="1"/>
-            <p:nvPr/>
-          </p:nvSpPr>
-          <p:spPr>
-            <a:xfrm>
-              <a:off x="4525769" y="3667216"/>
-              <a:ext cx="1132694" cy="369332"/>
-            </a:xfrm>
-            <a:prstGeom prst="rect">
-              <a:avLst/>
-            </a:prstGeom>
-            <a:noFill/>
-          </p:spPr>
-          <p:txBody>
-            <a:bodyPr wrap="square" rtlCol="0">
-              <a:spAutoFit/>
-            </a:bodyPr>
-            <a:lstStyle/>
-            <a:p>
-              <a:r>
-                <a:rPr lang="en-US" dirty="0"/>
-                <a:t>Date</a:t>
-              </a:r>
-            </a:p>
-          </p:txBody>
-        </p:sp>
-        <p:sp>
-          <p:nvSpPr>
-            <p:cNvPr id="34" name="TextBox 33">
-              <a:extLst>
-                <a:ext uri="{FF2B5EF4-FFF2-40B4-BE49-F238E27FC236}">
-                  <a16:creationId xmlns:a16="http://schemas.microsoft.com/office/drawing/2014/main" id="{D276003B-8618-58BB-5238-4ED9CE0ED2A2}"/>
-                </a:ext>
-              </a:extLst>
-            </p:cNvPr>
-            <p:cNvSpPr txBox="1"/>
-            <p:nvPr/>
-          </p:nvSpPr>
-          <p:spPr>
-            <a:xfrm>
-              <a:off x="1302358" y="2232009"/>
-              <a:ext cx="1132694" cy="369332"/>
-            </a:xfrm>
-            <a:prstGeom prst="rect">
-              <a:avLst/>
-            </a:prstGeom>
-            <a:noFill/>
-          </p:spPr>
-          <p:txBody>
-            <a:bodyPr wrap="square" rtlCol="0">
-              <a:spAutoFit/>
-            </a:bodyPr>
-            <a:lstStyle/>
-            <a:p>
-              <a:r>
-                <a:rPr lang="en-US" dirty="0"/>
-                <a:t>a)</a:t>
-              </a:r>
-            </a:p>
-          </p:txBody>
-        </p:sp>
-        <p:sp>
-          <p:nvSpPr>
-            <p:cNvPr id="35" name="TextBox 34">
-              <a:extLst>
-                <a:ext uri="{FF2B5EF4-FFF2-40B4-BE49-F238E27FC236}">
-                  <a16:creationId xmlns:a16="http://schemas.microsoft.com/office/drawing/2014/main" id="{BCC4DD9A-242D-16D1-D2F4-14FFF0310380}"/>
-                </a:ext>
-              </a:extLst>
-            </p:cNvPr>
-            <p:cNvSpPr txBox="1"/>
-            <p:nvPr/>
-          </p:nvSpPr>
-          <p:spPr>
-            <a:xfrm>
-              <a:off x="3816451" y="2217268"/>
-              <a:ext cx="1132694" cy="369332"/>
-            </a:xfrm>
-            <a:prstGeom prst="rect">
-              <a:avLst/>
-            </a:prstGeom>
-            <a:noFill/>
-          </p:spPr>
-          <p:txBody>
-            <a:bodyPr wrap="square" rtlCol="0">
-              <a:spAutoFit/>
-            </a:bodyPr>
-            <a:lstStyle/>
-            <a:p>
-              <a:r>
-                <a:rPr lang="en-US" dirty="0"/>
-                <a:t>b)</a:t>
-              </a:r>
-            </a:p>
-          </p:txBody>
-        </p:sp>
-        <p:sp>
-          <p:nvSpPr>
-            <p:cNvPr id="37" name="TextBox 36">
-              <a:extLst>
-                <a:ext uri="{FF2B5EF4-FFF2-40B4-BE49-F238E27FC236}">
-                  <a16:creationId xmlns:a16="http://schemas.microsoft.com/office/drawing/2014/main" id="{090FD743-F386-BB60-D27D-693F6742691A}"/>
-                </a:ext>
-              </a:extLst>
-            </p:cNvPr>
-            <p:cNvSpPr txBox="1"/>
-            <p:nvPr/>
-          </p:nvSpPr>
-          <p:spPr>
-            <a:xfrm>
-              <a:off x="2457287" y="3544106"/>
-              <a:ext cx="986057" cy="246221"/>
-            </a:xfrm>
-            <a:prstGeom prst="rect">
-              <a:avLst/>
-            </a:prstGeom>
-            <a:noFill/>
-          </p:spPr>
-          <p:txBody>
-            <a:bodyPr wrap="square" rtlCol="0">
-              <a:spAutoFit/>
-            </a:bodyPr>
-            <a:lstStyle/>
-            <a:p>
-              <a:r>
-                <a:rPr lang="en-US" sz="1000" dirty="0">
-                  <a:solidFill>
-                    <a:srgbClr val="FF0000"/>
-                  </a:solidFill>
-                </a:rPr>
-                <a:t>Today</a:t>
-              </a:r>
-            </a:p>
-          </p:txBody>
-        </p:sp>
-        <p:sp>
-          <p:nvSpPr>
-            <p:cNvPr id="38" name="TextBox 37">
-              <a:extLst>
-                <a:ext uri="{FF2B5EF4-FFF2-40B4-BE49-F238E27FC236}">
-                  <a16:creationId xmlns:a16="http://schemas.microsoft.com/office/drawing/2014/main" id="{CB237D1A-2D83-92AB-AB0A-218AC6C4C1D7}"/>
-                </a:ext>
-              </a:extLst>
-            </p:cNvPr>
-            <p:cNvSpPr txBox="1"/>
-            <p:nvPr/>
-          </p:nvSpPr>
-          <p:spPr>
-            <a:xfrm>
-              <a:off x="4967090" y="3544106"/>
-              <a:ext cx="986057" cy="246221"/>
-            </a:xfrm>
-            <a:prstGeom prst="rect">
-              <a:avLst/>
-            </a:prstGeom>
-            <a:noFill/>
-          </p:spPr>
-          <p:txBody>
-            <a:bodyPr wrap="square" rtlCol="0">
-              <a:spAutoFit/>
-            </a:bodyPr>
-            <a:lstStyle/>
-            <a:p>
-              <a:r>
-                <a:rPr lang="en-US" sz="1000" dirty="0">
-                  <a:solidFill>
-                    <a:srgbClr val="FF0000"/>
-                  </a:solidFill>
-                </a:rPr>
-                <a:t>Today</a:t>
-              </a:r>
-            </a:p>
-          </p:txBody>
-        </p:sp>
-        <p:sp>
-          <p:nvSpPr>
-            <p:cNvPr id="39" name="TextBox 38">
-              <a:extLst>
-                <a:ext uri="{FF2B5EF4-FFF2-40B4-BE49-F238E27FC236}">
-                  <a16:creationId xmlns:a16="http://schemas.microsoft.com/office/drawing/2014/main" id="{2A06144E-46AB-36C9-5C23-80E5488D7420}"/>
-                </a:ext>
-              </a:extLst>
-            </p:cNvPr>
-            <p:cNvSpPr txBox="1"/>
-            <p:nvPr/>
-          </p:nvSpPr>
-          <p:spPr>
-            <a:xfrm>
-              <a:off x="2842297" y="3544106"/>
+              <a:off x="5368545" y="3544106"/>
               <a:ext cx="986057" cy="246221"/>
             </a:xfrm>
             <a:prstGeom prst="rect">
@@ -4544,45 +4604,6 @@
           </p:txBody>
         </p:sp>
       </p:grpSp>
-      <p:sp>
-        <p:nvSpPr>
-          <p:cNvPr id="40" name="TextBox 39">
-            <a:extLst>
-              <a:ext uri="{FF2B5EF4-FFF2-40B4-BE49-F238E27FC236}">
-                <a16:creationId xmlns:a16="http://schemas.microsoft.com/office/drawing/2014/main" id="{D8C09877-AD07-1154-2D1C-25513208FFF4}"/>
-              </a:ext>
-            </a:extLst>
-          </p:cNvPr>
-          <p:cNvSpPr txBox="1"/>
-          <p:nvPr/>
-        </p:nvSpPr>
-        <p:spPr>
-          <a:xfrm>
-            <a:off x="5368545" y="3544106"/>
-            <a:ext cx="986057" cy="246221"/>
-          </a:xfrm>
-          <a:prstGeom prst="rect">
-            <a:avLst/>
-          </a:prstGeom>
-          <a:noFill/>
-        </p:spPr>
-        <p:txBody>
-          <a:bodyPr wrap="square" rtlCol="0">
-            <a:spAutoFit/>
-          </a:bodyPr>
-          <a:lstStyle/>
-          <a:p>
-            <a:r>
-              <a:rPr lang="en-US" sz="1000" dirty="0">
-                <a:solidFill>
-                  <a:schemeClr val="accent5"/>
-                </a:solidFill>
-              </a:rPr>
-              <a:t>Tomorrow</a:t>
-            </a:r>
-          </a:p>
-        </p:txBody>
-      </p:sp>
     </p:spTree>
     <p:extLst>
       <p:ext uri="{BB962C8B-B14F-4D97-AF65-F5344CB8AC3E}">
